--- a/유니티 ppt/unity 17. 1.17.pptx
+++ b/유니티 ppt/unity 17. 1.17.pptx
@@ -208,14 +208,14 @@
           <a:effectLst/>
           <a:extLst>
             <a:ext uri="{909E8E84-426E-40DD-AFC4-6F175D3DCCD1}">
-              <a14:hiddenFill xmlns:a14="http://schemas.microsoft.com/office/drawing/2010/main" xmlns="">
+              <a14:hiddenFill xmlns="" xmlns:a14="http://schemas.microsoft.com/office/drawing/2010/main">
                 <a:solidFill>
                   <a:schemeClr val="accent1"/>
                 </a:solidFill>
               </a14:hiddenFill>
             </a:ext>
             <a:ext uri="{91240B29-F687-4F45-9708-019B960494DF}">
-              <a14:hiddenLine xmlns:a14="http://schemas.microsoft.com/office/drawing/2010/main" xmlns="" w="9525">
+              <a14:hiddenLine xmlns="" xmlns:a14="http://schemas.microsoft.com/office/drawing/2010/main" w="9525">
                 <a:solidFill>
                   <a:schemeClr val="tx1"/>
                 </a:solidFill>
@@ -225,7 +225,7 @@
               </a14:hiddenLine>
             </a:ext>
             <a:ext uri="{AF507438-7753-43E0-B8FC-AC1667EBCBE1}">
-              <a14:hiddenEffects xmlns:a14="http://schemas.microsoft.com/office/drawing/2010/main" xmlns="">
+              <a14:hiddenEffects xmlns="" xmlns:a14="http://schemas.microsoft.com/office/drawing/2010/main">
                 <a:effectLst>
                   <a:outerShdw dist="35921" dir="2700000" algn="ctr" rotWithShape="0">
                     <a:schemeClr val="bg2"/>
@@ -276,14 +276,14 @@
           <a:effectLst/>
           <a:extLst>
             <a:ext uri="{909E8E84-426E-40DD-AFC4-6F175D3DCCD1}">
-              <a14:hiddenFill xmlns:a14="http://schemas.microsoft.com/office/drawing/2010/main" xmlns="">
+              <a14:hiddenFill xmlns="" xmlns:a14="http://schemas.microsoft.com/office/drawing/2010/main">
                 <a:solidFill>
                   <a:schemeClr val="accent1"/>
                 </a:solidFill>
               </a14:hiddenFill>
             </a:ext>
             <a:ext uri="{91240B29-F687-4F45-9708-019B960494DF}">
-              <a14:hiddenLine xmlns:a14="http://schemas.microsoft.com/office/drawing/2010/main" xmlns="" w="9525">
+              <a14:hiddenLine xmlns="" xmlns:a14="http://schemas.microsoft.com/office/drawing/2010/main" w="9525">
                 <a:solidFill>
                   <a:schemeClr val="tx1"/>
                 </a:solidFill>
@@ -293,7 +293,7 @@
               </a14:hiddenLine>
             </a:ext>
             <a:ext uri="{AF507438-7753-43E0-B8FC-AC1667EBCBE1}">
-              <a14:hiddenEffects xmlns:a14="http://schemas.microsoft.com/office/drawing/2010/main" xmlns="">
+              <a14:hiddenEffects xmlns="" xmlns:a14="http://schemas.microsoft.com/office/drawing/2010/main">
                 <a:effectLst>
                   <a:outerShdw dist="35921" dir="2700000" algn="ctr" rotWithShape="0">
                     <a:schemeClr val="bg2"/>
@@ -344,14 +344,14 @@
           <a:effectLst/>
           <a:extLst>
             <a:ext uri="{909E8E84-426E-40DD-AFC4-6F175D3DCCD1}">
-              <a14:hiddenFill xmlns:a14="http://schemas.microsoft.com/office/drawing/2010/main" xmlns="">
+              <a14:hiddenFill xmlns="" xmlns:a14="http://schemas.microsoft.com/office/drawing/2010/main">
                 <a:solidFill>
                   <a:schemeClr val="accent1"/>
                 </a:solidFill>
               </a14:hiddenFill>
             </a:ext>
             <a:ext uri="{91240B29-F687-4F45-9708-019B960494DF}">
-              <a14:hiddenLine xmlns:a14="http://schemas.microsoft.com/office/drawing/2010/main" xmlns="" w="9525">
+              <a14:hiddenLine xmlns="" xmlns:a14="http://schemas.microsoft.com/office/drawing/2010/main" w="9525">
                 <a:solidFill>
                   <a:schemeClr val="tx1"/>
                 </a:solidFill>
@@ -361,7 +361,7 @@
               </a14:hiddenLine>
             </a:ext>
             <a:ext uri="{AF507438-7753-43E0-B8FC-AC1667EBCBE1}">
-              <a14:hiddenEffects xmlns:a14="http://schemas.microsoft.com/office/drawing/2010/main" xmlns="">
+              <a14:hiddenEffects xmlns="" xmlns:a14="http://schemas.microsoft.com/office/drawing/2010/main">
                 <a:effectLst>
                   <a:outerShdw dist="35921" dir="2700000" algn="ctr" rotWithShape="0">
                     <a:schemeClr val="bg2"/>
@@ -412,14 +412,14 @@
           <a:effectLst/>
           <a:extLst>
             <a:ext uri="{909E8E84-426E-40DD-AFC4-6F175D3DCCD1}">
-              <a14:hiddenFill xmlns:a14="http://schemas.microsoft.com/office/drawing/2010/main" xmlns="">
+              <a14:hiddenFill xmlns="" xmlns:a14="http://schemas.microsoft.com/office/drawing/2010/main">
                 <a:solidFill>
                   <a:schemeClr val="accent1"/>
                 </a:solidFill>
               </a14:hiddenFill>
             </a:ext>
             <a:ext uri="{91240B29-F687-4F45-9708-019B960494DF}">
-              <a14:hiddenLine xmlns:a14="http://schemas.microsoft.com/office/drawing/2010/main" xmlns="" w="9525">
+              <a14:hiddenLine xmlns="" xmlns:a14="http://schemas.microsoft.com/office/drawing/2010/main" w="9525">
                 <a:solidFill>
                   <a:schemeClr val="tx1"/>
                 </a:solidFill>
@@ -429,7 +429,7 @@
               </a14:hiddenLine>
             </a:ext>
             <a:ext uri="{AF507438-7753-43E0-B8FC-AC1667EBCBE1}">
-              <a14:hiddenEffects xmlns:a14="http://schemas.microsoft.com/office/drawing/2010/main" xmlns="">
+              <a14:hiddenEffects xmlns="" xmlns:a14="http://schemas.microsoft.com/office/drawing/2010/main">
                 <a:effectLst>
                   <a:outerShdw dist="35921" dir="2700000" algn="ctr" rotWithShape="0">
                     <a:schemeClr val="bg2"/>
@@ -463,7 +463,7 @@
     </p:spTree>
     <p:extLst>
       <p:ext uri="{BB962C8B-B14F-4D97-AF65-F5344CB8AC3E}">
-        <p14:creationId xmlns:p14="http://schemas.microsoft.com/office/powerpoint/2010/main" xmlns="" val="3164634251"/>
+        <p14:creationId xmlns="" xmlns:p14="http://schemas.microsoft.com/office/powerpoint/2010/main" val="3164634251"/>
       </p:ext>
     </p:extLst>
   </p:cSld>
@@ -521,14 +521,14 @@
           <a:effectLst/>
           <a:extLst>
             <a:ext uri="{909E8E84-426E-40DD-AFC4-6F175D3DCCD1}">
-              <a14:hiddenFill xmlns:a14="http://schemas.microsoft.com/office/drawing/2010/main" xmlns="">
+              <a14:hiddenFill xmlns="" xmlns:a14="http://schemas.microsoft.com/office/drawing/2010/main">
                 <a:solidFill>
                   <a:schemeClr val="accent1"/>
                 </a:solidFill>
               </a14:hiddenFill>
             </a:ext>
             <a:ext uri="{91240B29-F687-4F45-9708-019B960494DF}">
-              <a14:hiddenLine xmlns:a14="http://schemas.microsoft.com/office/drawing/2010/main" xmlns="" w="9525">
+              <a14:hiddenLine xmlns="" xmlns:a14="http://schemas.microsoft.com/office/drawing/2010/main" w="9525">
                 <a:solidFill>
                   <a:schemeClr val="tx1"/>
                 </a:solidFill>
@@ -538,7 +538,7 @@
               </a14:hiddenLine>
             </a:ext>
             <a:ext uri="{AF507438-7753-43E0-B8FC-AC1667EBCBE1}">
-              <a14:hiddenEffects xmlns:a14="http://schemas.microsoft.com/office/drawing/2010/main" xmlns="">
+              <a14:hiddenEffects xmlns="" xmlns:a14="http://schemas.microsoft.com/office/drawing/2010/main">
                 <a:effectLst>
                   <a:outerShdw dist="35921" dir="2700000" algn="ctr" rotWithShape="0">
                     <a:schemeClr val="bg2"/>
@@ -589,14 +589,14 @@
           <a:effectLst/>
           <a:extLst>
             <a:ext uri="{909E8E84-426E-40DD-AFC4-6F175D3DCCD1}">
-              <a14:hiddenFill xmlns:a14="http://schemas.microsoft.com/office/drawing/2010/main" xmlns="">
+              <a14:hiddenFill xmlns="" xmlns:a14="http://schemas.microsoft.com/office/drawing/2010/main">
                 <a:solidFill>
                   <a:schemeClr val="accent1"/>
                 </a:solidFill>
               </a14:hiddenFill>
             </a:ext>
             <a:ext uri="{91240B29-F687-4F45-9708-019B960494DF}">
-              <a14:hiddenLine xmlns:a14="http://schemas.microsoft.com/office/drawing/2010/main" xmlns="" w="9525">
+              <a14:hiddenLine xmlns="" xmlns:a14="http://schemas.microsoft.com/office/drawing/2010/main" w="9525">
                 <a:solidFill>
                   <a:schemeClr val="tx1"/>
                 </a:solidFill>
@@ -606,7 +606,7 @@
               </a14:hiddenLine>
             </a:ext>
             <a:ext uri="{AF507438-7753-43E0-B8FC-AC1667EBCBE1}">
-              <a14:hiddenEffects xmlns:a14="http://schemas.microsoft.com/office/drawing/2010/main" xmlns="">
+              <a14:hiddenEffects xmlns="" xmlns:a14="http://schemas.microsoft.com/office/drawing/2010/main">
                 <a:effectLst>
                   <a:outerShdw dist="35921" dir="2700000" algn="ctr" rotWithShape="0">
                     <a:schemeClr val="bg2"/>
@@ -662,7 +662,7 @@
           <a:effectLst/>
           <a:extLst>
             <a:ext uri="{AF507438-7753-43E0-B8FC-AC1667EBCBE1}">
-              <a14:hiddenEffects xmlns:a14="http://schemas.microsoft.com/office/drawing/2010/main" xmlns="">
+              <a14:hiddenEffects xmlns="" xmlns:a14="http://schemas.microsoft.com/office/drawing/2010/main">
                 <a:effectLst>
                   <a:outerShdw dist="35921" dir="2700000" algn="ctr" rotWithShape="0">
                     <a:srgbClr val="808080"/>
@@ -671,7 +671,7 @@
               </a14:hiddenEffects>
             </a:ext>
             <a:ext uri="{53640926-AAD7-44D8-BBD7-CCE9431645EC}">
-              <a14:shadowObscured xmlns:a14="http://schemas.microsoft.com/office/drawing/2010/main" xmlns="" val="1"/>
+              <a14:shadowObscured xmlns="" xmlns:a14="http://schemas.microsoft.com/office/drawing/2010/main" val="1"/>
             </a:ext>
           </a:extLst>
         </p:spPr>
@@ -701,14 +701,14 @@
           <a:effectLst/>
           <a:extLst>
             <a:ext uri="{909E8E84-426E-40DD-AFC4-6F175D3DCCD1}">
-              <a14:hiddenFill xmlns:a14="http://schemas.microsoft.com/office/drawing/2010/main" xmlns="">
+              <a14:hiddenFill xmlns="" xmlns:a14="http://schemas.microsoft.com/office/drawing/2010/main">
                 <a:solidFill>
                   <a:schemeClr val="accent1"/>
                 </a:solidFill>
               </a14:hiddenFill>
             </a:ext>
             <a:ext uri="{91240B29-F687-4F45-9708-019B960494DF}">
-              <a14:hiddenLine xmlns:a14="http://schemas.microsoft.com/office/drawing/2010/main" xmlns="" w="9525">
+              <a14:hiddenLine xmlns="" xmlns:a14="http://schemas.microsoft.com/office/drawing/2010/main" w="9525">
                 <a:solidFill>
                   <a:schemeClr val="tx1"/>
                 </a:solidFill>
@@ -718,7 +718,7 @@
               </a14:hiddenLine>
             </a:ext>
             <a:ext uri="{AF507438-7753-43E0-B8FC-AC1667EBCBE1}">
-              <a14:hiddenEffects xmlns:a14="http://schemas.microsoft.com/office/drawing/2010/main" xmlns="">
+              <a14:hiddenEffects xmlns="" xmlns:a14="http://schemas.microsoft.com/office/drawing/2010/main">
                 <a:effectLst>
                   <a:outerShdw dist="35921" dir="2700000" algn="ctr" rotWithShape="0">
                     <a:schemeClr val="bg2"/>
@@ -797,14 +797,14 @@
           <a:effectLst/>
           <a:extLst>
             <a:ext uri="{909E8E84-426E-40DD-AFC4-6F175D3DCCD1}">
-              <a14:hiddenFill xmlns:a14="http://schemas.microsoft.com/office/drawing/2010/main" xmlns="">
+              <a14:hiddenFill xmlns="" xmlns:a14="http://schemas.microsoft.com/office/drawing/2010/main">
                 <a:solidFill>
                   <a:schemeClr val="accent1"/>
                 </a:solidFill>
               </a14:hiddenFill>
             </a:ext>
             <a:ext uri="{91240B29-F687-4F45-9708-019B960494DF}">
-              <a14:hiddenLine xmlns:a14="http://schemas.microsoft.com/office/drawing/2010/main" xmlns="" w="9525">
+              <a14:hiddenLine xmlns="" xmlns:a14="http://schemas.microsoft.com/office/drawing/2010/main" w="9525">
                 <a:solidFill>
                   <a:schemeClr val="tx1"/>
                 </a:solidFill>
@@ -814,7 +814,7 @@
               </a14:hiddenLine>
             </a:ext>
             <a:ext uri="{AF507438-7753-43E0-B8FC-AC1667EBCBE1}">
-              <a14:hiddenEffects xmlns:a14="http://schemas.microsoft.com/office/drawing/2010/main" xmlns="">
+              <a14:hiddenEffects xmlns="" xmlns:a14="http://schemas.microsoft.com/office/drawing/2010/main">
                 <a:effectLst>
                   <a:outerShdw dist="35921" dir="2700000" algn="ctr" rotWithShape="0">
                     <a:schemeClr val="bg2"/>
@@ -865,14 +865,14 @@
           <a:effectLst/>
           <a:extLst>
             <a:ext uri="{909E8E84-426E-40DD-AFC4-6F175D3DCCD1}">
-              <a14:hiddenFill xmlns:a14="http://schemas.microsoft.com/office/drawing/2010/main" xmlns="">
+              <a14:hiddenFill xmlns="" xmlns:a14="http://schemas.microsoft.com/office/drawing/2010/main">
                 <a:solidFill>
                   <a:schemeClr val="accent1"/>
                 </a:solidFill>
               </a14:hiddenFill>
             </a:ext>
             <a:ext uri="{91240B29-F687-4F45-9708-019B960494DF}">
-              <a14:hiddenLine xmlns:a14="http://schemas.microsoft.com/office/drawing/2010/main" xmlns="" w="9525">
+              <a14:hiddenLine xmlns="" xmlns:a14="http://schemas.microsoft.com/office/drawing/2010/main" w="9525">
                 <a:solidFill>
                   <a:schemeClr val="tx1"/>
                 </a:solidFill>
@@ -882,7 +882,7 @@
               </a14:hiddenLine>
             </a:ext>
             <a:ext uri="{AF507438-7753-43E0-B8FC-AC1667EBCBE1}">
-              <a14:hiddenEffects xmlns:a14="http://schemas.microsoft.com/office/drawing/2010/main" xmlns="">
+              <a14:hiddenEffects xmlns="" xmlns:a14="http://schemas.microsoft.com/office/drawing/2010/main">
                 <a:effectLst>
                   <a:outerShdw dist="35921" dir="2700000" algn="ctr" rotWithShape="0">
                     <a:schemeClr val="bg2"/>
@@ -916,7 +916,7 @@
     </p:spTree>
     <p:extLst>
       <p:ext uri="{BB962C8B-B14F-4D97-AF65-F5344CB8AC3E}">
-        <p14:creationId xmlns:p14="http://schemas.microsoft.com/office/powerpoint/2010/main" xmlns="" val="841280231"/>
+        <p14:creationId xmlns="" xmlns:p14="http://schemas.microsoft.com/office/powerpoint/2010/main" val="841280231"/>
       </p:ext>
     </p:extLst>
   </p:cSld>
@@ -1403,7 +1403,7 @@
           <a:effectLst/>
           <a:extLst>
             <a:ext uri="{91240B29-F687-4F45-9708-019B960494DF}">
-              <a14:hiddenLine xmlns:a14="http://schemas.microsoft.com/office/drawing/2010/main" xmlns="" w="9525">
+              <a14:hiddenLine xmlns="" xmlns:a14="http://schemas.microsoft.com/office/drawing/2010/main" w="9525">
                 <a:solidFill>
                   <a:schemeClr val="tx1"/>
                 </a:solidFill>
@@ -1413,7 +1413,7 @@
               </a14:hiddenLine>
             </a:ext>
             <a:ext uri="{AF507438-7753-43E0-B8FC-AC1667EBCBE1}">
-              <a14:hiddenEffects xmlns:a14="http://schemas.microsoft.com/office/drawing/2010/main" xmlns="">
+              <a14:hiddenEffects xmlns="" xmlns:a14="http://schemas.microsoft.com/office/drawing/2010/main">
                 <a:effectLst>
                   <a:outerShdw dist="35921" dir="2700000" algn="ctr" rotWithShape="0">
                     <a:schemeClr val="bg2"/>
@@ -1454,14 +1454,14 @@
           <a:effectLst/>
           <a:extLst>
             <a:ext uri="{909E8E84-426E-40DD-AFC4-6F175D3DCCD1}">
-              <a14:hiddenFill xmlns:a14="http://schemas.microsoft.com/office/drawing/2010/main" xmlns="">
+              <a14:hiddenFill xmlns="" xmlns:a14="http://schemas.microsoft.com/office/drawing/2010/main">
                 <a:solidFill>
                   <a:schemeClr val="accent1"/>
                 </a:solidFill>
               </a14:hiddenFill>
             </a:ext>
             <a:ext uri="{91240B29-F687-4F45-9708-019B960494DF}">
-              <a14:hiddenLine xmlns:a14="http://schemas.microsoft.com/office/drawing/2010/main" xmlns="" w="9525">
+              <a14:hiddenLine xmlns="" xmlns:a14="http://schemas.microsoft.com/office/drawing/2010/main" w="9525">
                 <a:solidFill>
                   <a:srgbClr val="FFFFFF"/>
                 </a:solidFill>
@@ -1471,7 +1471,7 @@
               </a14:hiddenLine>
             </a:ext>
             <a:ext uri="{AF507438-7753-43E0-B8FC-AC1667EBCBE1}">
-              <a14:hiddenEffects xmlns:a14="http://schemas.microsoft.com/office/drawing/2010/main" xmlns="">
+              <a14:hiddenEffects xmlns="" xmlns:a14="http://schemas.microsoft.com/office/drawing/2010/main">
                 <a:effectLst>
                   <a:outerShdw dist="35921" dir="2700000" algn="ctr" rotWithShape="0">
                     <a:schemeClr val="bg2"/>
@@ -1671,7 +1671,7 @@
     </p:spTree>
     <p:extLst>
       <p:ext uri="{BB962C8B-B14F-4D97-AF65-F5344CB8AC3E}">
-        <p14:creationId xmlns:p14="http://schemas.microsoft.com/office/powerpoint/2010/main" xmlns="" val="1411104598"/>
+        <p14:creationId xmlns="" xmlns:p14="http://schemas.microsoft.com/office/powerpoint/2010/main" val="1411104598"/>
       </p:ext>
     </p:extLst>
   </p:cSld>
@@ -1814,7 +1814,7 @@
     </p:spTree>
     <p:extLst>
       <p:ext uri="{BB962C8B-B14F-4D97-AF65-F5344CB8AC3E}">
-        <p14:creationId xmlns:p14="http://schemas.microsoft.com/office/powerpoint/2010/main" xmlns="" val="362567413"/>
+        <p14:creationId xmlns="" xmlns:p14="http://schemas.microsoft.com/office/powerpoint/2010/main" val="362567413"/>
       </p:ext>
     </p:extLst>
   </p:cSld>
@@ -1947,7 +1947,7 @@
     </p:spTree>
     <p:extLst>
       <p:ext uri="{BB962C8B-B14F-4D97-AF65-F5344CB8AC3E}">
-        <p14:creationId xmlns:p14="http://schemas.microsoft.com/office/powerpoint/2010/main" xmlns="" val="1316154226"/>
+        <p14:creationId xmlns="" xmlns:p14="http://schemas.microsoft.com/office/powerpoint/2010/main" val="1316154226"/>
       </p:ext>
     </p:extLst>
   </p:cSld>
@@ -2102,7 +2102,7 @@
     </p:spTree>
     <p:extLst>
       <p:ext uri="{BB962C8B-B14F-4D97-AF65-F5344CB8AC3E}">
-        <p14:creationId xmlns:p14="http://schemas.microsoft.com/office/powerpoint/2010/main" xmlns="" val="1680507179"/>
+        <p14:creationId xmlns="" xmlns:p14="http://schemas.microsoft.com/office/powerpoint/2010/main" val="1680507179"/>
       </p:ext>
     </p:extLst>
   </p:cSld>
@@ -2353,7 +2353,7 @@
     </p:spTree>
     <p:extLst>
       <p:ext uri="{BB962C8B-B14F-4D97-AF65-F5344CB8AC3E}">
-        <p14:creationId xmlns:p14="http://schemas.microsoft.com/office/powerpoint/2010/main" xmlns="" val="167415826"/>
+        <p14:creationId xmlns="" xmlns:p14="http://schemas.microsoft.com/office/powerpoint/2010/main" val="167415826"/>
       </p:ext>
     </p:extLst>
   </p:cSld>
@@ -2743,7 +2743,7 @@
     </p:spTree>
     <p:extLst>
       <p:ext uri="{BB962C8B-B14F-4D97-AF65-F5344CB8AC3E}">
-        <p14:creationId xmlns:p14="http://schemas.microsoft.com/office/powerpoint/2010/main" xmlns="" val="1240705544"/>
+        <p14:creationId xmlns="" xmlns:p14="http://schemas.microsoft.com/office/powerpoint/2010/main" val="1240705544"/>
       </p:ext>
     </p:extLst>
   </p:cSld>
@@ -2824,7 +2824,7 @@
     </p:spTree>
     <p:extLst>
       <p:ext uri="{BB962C8B-B14F-4D97-AF65-F5344CB8AC3E}">
-        <p14:creationId xmlns:p14="http://schemas.microsoft.com/office/powerpoint/2010/main" xmlns="" val="1154259471"/>
+        <p14:creationId xmlns="" xmlns:p14="http://schemas.microsoft.com/office/powerpoint/2010/main" val="1154259471"/>
       </p:ext>
     </p:extLst>
   </p:cSld>
@@ -2882,7 +2882,7 @@
     </p:spTree>
     <p:extLst>
       <p:ext uri="{BB962C8B-B14F-4D97-AF65-F5344CB8AC3E}">
-        <p14:creationId xmlns:p14="http://schemas.microsoft.com/office/powerpoint/2010/main" xmlns="" val="2140515614"/>
+        <p14:creationId xmlns="" xmlns:p14="http://schemas.microsoft.com/office/powerpoint/2010/main" val="2140515614"/>
       </p:ext>
     </p:extLst>
   </p:cSld>
@@ -3122,7 +3122,7 @@
     </p:spTree>
     <p:extLst>
       <p:ext uri="{BB962C8B-B14F-4D97-AF65-F5344CB8AC3E}">
-        <p14:creationId xmlns:p14="http://schemas.microsoft.com/office/powerpoint/2010/main" xmlns="" val="1987763440"/>
+        <p14:creationId xmlns="" xmlns:p14="http://schemas.microsoft.com/office/powerpoint/2010/main" val="1987763440"/>
       </p:ext>
     </p:extLst>
   </p:cSld>
@@ -3338,7 +3338,7 @@
     </p:spTree>
     <p:extLst>
       <p:ext uri="{BB962C8B-B14F-4D97-AF65-F5344CB8AC3E}">
-        <p14:creationId xmlns:p14="http://schemas.microsoft.com/office/powerpoint/2010/main" xmlns="" val="1093278620"/>
+        <p14:creationId xmlns="" xmlns:p14="http://schemas.microsoft.com/office/powerpoint/2010/main" val="1093278620"/>
       </p:ext>
     </p:extLst>
   </p:cSld>
@@ -3398,14 +3398,14 @@
           <a:effectLst/>
           <a:extLst>
             <a:ext uri="{909E8E84-426E-40DD-AFC4-6F175D3DCCD1}">
-              <a14:hiddenFill xmlns:a14="http://schemas.microsoft.com/office/drawing/2010/main" xmlns="">
+              <a14:hiddenFill xmlns="" xmlns:a14="http://schemas.microsoft.com/office/drawing/2010/main">
                 <a:solidFill>
                   <a:schemeClr val="accent1"/>
                 </a:solidFill>
               </a14:hiddenFill>
             </a:ext>
             <a:ext uri="{91240B29-F687-4F45-9708-019B960494DF}">
-              <a14:hiddenLine xmlns:a14="http://schemas.microsoft.com/office/drawing/2010/main" xmlns="" w="9525">
+              <a14:hiddenLine xmlns="" xmlns:a14="http://schemas.microsoft.com/office/drawing/2010/main" w="9525">
                 <a:solidFill>
                   <a:schemeClr val="tx1"/>
                 </a:solidFill>
@@ -3415,7 +3415,7 @@
               </a14:hiddenLine>
             </a:ext>
             <a:ext uri="{AF507438-7753-43E0-B8FC-AC1667EBCBE1}">
-              <a14:hiddenEffects xmlns:a14="http://schemas.microsoft.com/office/drawing/2010/main" xmlns="">
+              <a14:hiddenEffects xmlns="" xmlns:a14="http://schemas.microsoft.com/office/drawing/2010/main">
                 <a:effectLst>
                   <a:outerShdw dist="35921" dir="2700000" algn="ctr" rotWithShape="0">
                     <a:schemeClr val="bg2"/>
@@ -3466,14 +3466,14 @@
           <a:effectLst/>
           <a:extLst>
             <a:ext uri="{909E8E84-426E-40DD-AFC4-6F175D3DCCD1}">
-              <a14:hiddenFill xmlns:a14="http://schemas.microsoft.com/office/drawing/2010/main" xmlns="">
+              <a14:hiddenFill xmlns="" xmlns:a14="http://schemas.microsoft.com/office/drawing/2010/main">
                 <a:solidFill>
                   <a:schemeClr val="accent1"/>
                 </a:solidFill>
               </a14:hiddenFill>
             </a:ext>
             <a:ext uri="{91240B29-F687-4F45-9708-019B960494DF}">
-              <a14:hiddenLine xmlns:a14="http://schemas.microsoft.com/office/drawing/2010/main" xmlns="" w="9525">
+              <a14:hiddenLine xmlns="" xmlns:a14="http://schemas.microsoft.com/office/drawing/2010/main" w="9525">
                 <a:solidFill>
                   <a:schemeClr val="tx1"/>
                 </a:solidFill>
@@ -3483,7 +3483,7 @@
               </a14:hiddenLine>
             </a:ext>
             <a:ext uri="{AF507438-7753-43E0-B8FC-AC1667EBCBE1}">
-              <a14:hiddenEffects xmlns:a14="http://schemas.microsoft.com/office/drawing/2010/main" xmlns="">
+              <a14:hiddenEffects xmlns="" xmlns:a14="http://schemas.microsoft.com/office/drawing/2010/main">
                 <a:effectLst>
                   <a:outerShdw dist="35921" dir="2700000" algn="ctr" rotWithShape="0">
                     <a:schemeClr val="bg2"/>
@@ -3555,14 +3555,14 @@
           <a:effectLst/>
           <a:extLst>
             <a:ext uri="{909E8E84-426E-40DD-AFC4-6F175D3DCCD1}">
-              <a14:hiddenFill xmlns:a14="http://schemas.microsoft.com/office/drawing/2010/main" xmlns="">
+              <a14:hiddenFill xmlns="" xmlns:a14="http://schemas.microsoft.com/office/drawing/2010/main">
                 <a:solidFill>
                   <a:schemeClr val="accent1"/>
                 </a:solidFill>
               </a14:hiddenFill>
             </a:ext>
             <a:ext uri="{91240B29-F687-4F45-9708-019B960494DF}">
-              <a14:hiddenLine xmlns:a14="http://schemas.microsoft.com/office/drawing/2010/main" xmlns="" w="9525">
+              <a14:hiddenLine xmlns="" xmlns:a14="http://schemas.microsoft.com/office/drawing/2010/main" w="9525">
                 <a:solidFill>
                   <a:schemeClr val="tx1"/>
                 </a:solidFill>
@@ -3572,7 +3572,7 @@
               </a14:hiddenLine>
             </a:ext>
             <a:ext uri="{AF507438-7753-43E0-B8FC-AC1667EBCBE1}">
-              <a14:hiddenEffects xmlns:a14="http://schemas.microsoft.com/office/drawing/2010/main" xmlns="">
+              <a14:hiddenEffects xmlns="" xmlns:a14="http://schemas.microsoft.com/office/drawing/2010/main">
                 <a:effectLst>
                   <a:outerShdw dist="35921" dir="2700000" algn="ctr" rotWithShape="0">
                     <a:schemeClr val="bg2"/>
@@ -3631,7 +3631,7 @@
           <a:effectLst/>
           <a:extLst>
             <a:ext uri="{91240B29-F687-4F45-9708-019B960494DF}">
-              <a14:hiddenLine xmlns:a14="http://schemas.microsoft.com/office/drawing/2010/main" xmlns="" w="9525">
+              <a14:hiddenLine xmlns="" xmlns:a14="http://schemas.microsoft.com/office/drawing/2010/main" w="9525">
                 <a:solidFill>
                   <a:schemeClr val="tx1"/>
                 </a:solidFill>
@@ -3641,7 +3641,7 @@
               </a14:hiddenLine>
             </a:ext>
             <a:ext uri="{AF507438-7753-43E0-B8FC-AC1667EBCBE1}">
-              <a14:hiddenEffects xmlns:a14="http://schemas.microsoft.com/office/drawing/2010/main" xmlns="">
+              <a14:hiddenEffects xmlns="" xmlns:a14="http://schemas.microsoft.com/office/drawing/2010/main">
                 <a:effectLst>
                   <a:outerShdw dist="35921" dir="2700000" algn="ctr" rotWithShape="0">
                     <a:schemeClr val="bg2"/>
@@ -3699,7 +3699,7 @@
           <a:effectLst/>
           <a:extLst>
             <a:ext uri="{91240B29-F687-4F45-9708-019B960494DF}">
-              <a14:hiddenLine xmlns:a14="http://schemas.microsoft.com/office/drawing/2010/main" xmlns="" w="9525">
+              <a14:hiddenLine xmlns="" xmlns:a14="http://schemas.microsoft.com/office/drawing/2010/main" w="9525">
                 <a:solidFill>
                   <a:schemeClr val="tx1"/>
                 </a:solidFill>
@@ -3709,7 +3709,7 @@
               </a14:hiddenLine>
             </a:ext>
             <a:ext uri="{AF507438-7753-43E0-B8FC-AC1667EBCBE1}">
-              <a14:hiddenEffects xmlns:a14="http://schemas.microsoft.com/office/drawing/2010/main" xmlns="">
+              <a14:hiddenEffects xmlns="" xmlns:a14="http://schemas.microsoft.com/office/drawing/2010/main">
                 <a:effectLst>
                   <a:outerShdw dist="35921" dir="2700000" algn="ctr" rotWithShape="0">
                     <a:schemeClr val="bg2"/>
@@ -3759,12 +3759,12 @@
           <a:effectLst/>
           <a:extLst>
             <a:ext uri="{909E8E84-426E-40DD-AFC4-6F175D3DCCD1}">
-              <a14:hiddenFill xmlns:a14="http://schemas.microsoft.com/office/drawing/2010/main" xmlns="">
+              <a14:hiddenFill xmlns="" xmlns:a14="http://schemas.microsoft.com/office/drawing/2010/main">
                 <a:noFill/>
               </a14:hiddenFill>
             </a:ext>
             <a:ext uri="{AF507438-7753-43E0-B8FC-AC1667EBCBE1}">
-              <a14:hiddenEffects xmlns:a14="http://schemas.microsoft.com/office/drawing/2010/main" xmlns="">
+              <a14:hiddenEffects xmlns="" xmlns:a14="http://schemas.microsoft.com/office/drawing/2010/main">
                 <a:effectLst>
                   <a:outerShdw dist="35921" dir="2700000" algn="ctr" rotWithShape="0">
                     <a:schemeClr val="bg2"/>
@@ -3808,14 +3808,14 @@
           <a:effectLst/>
           <a:extLst>
             <a:ext uri="{909E8E84-426E-40DD-AFC4-6F175D3DCCD1}">
-              <a14:hiddenFill xmlns:a14="http://schemas.microsoft.com/office/drawing/2010/main" xmlns="">
+              <a14:hiddenFill xmlns="" xmlns:a14="http://schemas.microsoft.com/office/drawing/2010/main">
                 <a:solidFill>
                   <a:schemeClr val="accent1"/>
                 </a:solidFill>
               </a14:hiddenFill>
             </a:ext>
             <a:ext uri="{91240B29-F687-4F45-9708-019B960494DF}">
-              <a14:hiddenLine xmlns:a14="http://schemas.microsoft.com/office/drawing/2010/main" xmlns="" w="9525">
+              <a14:hiddenLine xmlns="" xmlns:a14="http://schemas.microsoft.com/office/drawing/2010/main" w="9525">
                 <a:solidFill>
                   <a:schemeClr val="tx1"/>
                 </a:solidFill>
@@ -3825,7 +3825,7 @@
               </a14:hiddenLine>
             </a:ext>
             <a:ext uri="{AF507438-7753-43E0-B8FC-AC1667EBCBE1}">
-              <a14:hiddenEffects xmlns:a14="http://schemas.microsoft.com/office/drawing/2010/main" xmlns="">
+              <a14:hiddenEffects xmlns="" xmlns:a14="http://schemas.microsoft.com/office/drawing/2010/main">
                 <a:effectLst>
                   <a:outerShdw dist="35921" dir="2700000" algn="ctr" rotWithShape="0">
                     <a:schemeClr val="bg2"/>
@@ -4017,14 +4017,14 @@
           <a:effectLst/>
           <a:extLst>
             <a:ext uri="{909E8E84-426E-40DD-AFC4-6F175D3DCCD1}">
-              <a14:hiddenFill xmlns:a14="http://schemas.microsoft.com/office/drawing/2010/main" xmlns="">
+              <a14:hiddenFill xmlns="" xmlns:a14="http://schemas.microsoft.com/office/drawing/2010/main">
                 <a:solidFill>
                   <a:schemeClr val="accent1"/>
                 </a:solidFill>
               </a14:hiddenFill>
             </a:ext>
             <a:ext uri="{91240B29-F687-4F45-9708-019B960494DF}">
-              <a14:hiddenLine xmlns:a14="http://schemas.microsoft.com/office/drawing/2010/main" xmlns="" w="9525">
+              <a14:hiddenLine xmlns="" xmlns:a14="http://schemas.microsoft.com/office/drawing/2010/main" w="9525">
                 <a:solidFill>
                   <a:schemeClr val="tx1"/>
                 </a:solidFill>
@@ -4034,7 +4034,7 @@
               </a14:hiddenLine>
             </a:ext>
             <a:ext uri="{AF507438-7753-43E0-B8FC-AC1667EBCBE1}">
-              <a14:hiddenEffects xmlns:a14="http://schemas.microsoft.com/office/drawing/2010/main" xmlns="">
+              <a14:hiddenEffects xmlns="" xmlns:a14="http://schemas.microsoft.com/office/drawing/2010/main">
                 <a:effectLst>
                   <a:outerShdw dist="35921" dir="2700000" algn="ctr" rotWithShape="0">
                     <a:schemeClr val="bg2"/>
@@ -4213,14 +4213,14 @@
           <a:effectLst/>
           <a:extLst>
             <a:ext uri="{909E8E84-426E-40DD-AFC4-6F175D3DCCD1}">
-              <a14:hiddenFill xmlns:a14="http://schemas.microsoft.com/office/drawing/2010/main" xmlns="">
+              <a14:hiddenFill xmlns="" xmlns:a14="http://schemas.microsoft.com/office/drawing/2010/main">
                 <a:solidFill>
                   <a:schemeClr val="accent1"/>
                 </a:solidFill>
               </a14:hiddenFill>
             </a:ext>
             <a:ext uri="{91240B29-F687-4F45-9708-019B960494DF}">
-              <a14:hiddenLine xmlns:a14="http://schemas.microsoft.com/office/drawing/2010/main" xmlns="" w="9525">
+              <a14:hiddenLine xmlns="" xmlns:a14="http://schemas.microsoft.com/office/drawing/2010/main" w="9525">
                 <a:solidFill>
                   <a:srgbClr val="FFFFFF"/>
                 </a:solidFill>
@@ -4230,7 +4230,7 @@
               </a14:hiddenLine>
             </a:ext>
             <a:ext uri="{AF507438-7753-43E0-B8FC-AC1667EBCBE1}">
-              <a14:hiddenEffects xmlns:a14="http://schemas.microsoft.com/office/drawing/2010/main" xmlns="">
+              <a14:hiddenEffects xmlns="" xmlns:a14="http://schemas.microsoft.com/office/drawing/2010/main">
                 <a:effectLst>
                   <a:outerShdw dist="35921" dir="2700000" algn="ctr" rotWithShape="0">
                     <a:schemeClr val="bg2"/>
